--- a/Appendixes/Design.pptx
+++ b/Appendixes/Design.pptx
@@ -109,7 +109,16 @@
       </a:defRPr>
     </a:lvl9pPr>
   </p:defaultTextStyle>
+  <p:extLst>
+    <p:ext uri="{EFAFB233-063F-42B5-8137-9DF3F51BA10A}">
+      <p15:sldGuideLst xmlns:p15="http://schemas.microsoft.com/office/powerpoint/2012/main"/>
+    </p:ext>
+  </p:extLst>
 </p:presentation>
+</file>
+
+<file path=ppt/revisionInfo.xml><?xml version="1.0" encoding="utf-8"?>
+<p1510:revInfo xmlns:a="http://schemas.openxmlformats.org/drawingml/2006/main" xmlns:r="http://schemas.openxmlformats.org/officeDocument/2006/relationships" xmlns:p1510="http://schemas.microsoft.com/office/powerpoint/2015/10/main"/>
 </file>
 
 <file path=ppt/slideLayouts/slideLayout1.xml><?xml version="1.0" encoding="utf-8"?>
@@ -259,7 +268,7 @@
           <a:p>
             <a:fld id="{A67F82E6-4560-4718-817E-7923C79771B2}" type="datetimeFigureOut">
               <a:rPr lang="pl-PL" smtClean="0"/>
-              <a:t>19.01.2018</a:t>
+              <a:t>21.01.2018</a:t>
             </a:fld>
             <a:endParaRPr lang="pl-PL"/>
           </a:p>
@@ -457,7 +466,7 @@
           <a:p>
             <a:fld id="{A67F82E6-4560-4718-817E-7923C79771B2}" type="datetimeFigureOut">
               <a:rPr lang="pl-PL" smtClean="0"/>
-              <a:t>19.01.2018</a:t>
+              <a:t>21.01.2018</a:t>
             </a:fld>
             <a:endParaRPr lang="pl-PL"/>
           </a:p>
@@ -665,7 +674,7 @@
           <a:p>
             <a:fld id="{A67F82E6-4560-4718-817E-7923C79771B2}" type="datetimeFigureOut">
               <a:rPr lang="pl-PL" smtClean="0"/>
-              <a:t>19.01.2018</a:t>
+              <a:t>21.01.2018</a:t>
             </a:fld>
             <a:endParaRPr lang="pl-PL"/>
           </a:p>
@@ -863,7 +872,7 @@
           <a:p>
             <a:fld id="{A67F82E6-4560-4718-817E-7923C79771B2}" type="datetimeFigureOut">
               <a:rPr lang="pl-PL" smtClean="0"/>
-              <a:t>19.01.2018</a:t>
+              <a:t>21.01.2018</a:t>
             </a:fld>
             <a:endParaRPr lang="pl-PL"/>
           </a:p>
@@ -1138,7 +1147,7 @@
           <a:p>
             <a:fld id="{A67F82E6-4560-4718-817E-7923C79771B2}" type="datetimeFigureOut">
               <a:rPr lang="pl-PL" smtClean="0"/>
-              <a:t>19.01.2018</a:t>
+              <a:t>21.01.2018</a:t>
             </a:fld>
             <a:endParaRPr lang="pl-PL"/>
           </a:p>
@@ -1403,7 +1412,7 @@
           <a:p>
             <a:fld id="{A67F82E6-4560-4718-817E-7923C79771B2}" type="datetimeFigureOut">
               <a:rPr lang="pl-PL" smtClean="0"/>
-              <a:t>19.01.2018</a:t>
+              <a:t>21.01.2018</a:t>
             </a:fld>
             <a:endParaRPr lang="pl-PL"/>
           </a:p>
@@ -1815,7 +1824,7 @@
           <a:p>
             <a:fld id="{A67F82E6-4560-4718-817E-7923C79771B2}" type="datetimeFigureOut">
               <a:rPr lang="pl-PL" smtClean="0"/>
-              <a:t>19.01.2018</a:t>
+              <a:t>21.01.2018</a:t>
             </a:fld>
             <a:endParaRPr lang="pl-PL"/>
           </a:p>
@@ -1956,7 +1965,7 @@
           <a:p>
             <a:fld id="{A67F82E6-4560-4718-817E-7923C79771B2}" type="datetimeFigureOut">
               <a:rPr lang="pl-PL" smtClean="0"/>
-              <a:t>19.01.2018</a:t>
+              <a:t>21.01.2018</a:t>
             </a:fld>
             <a:endParaRPr lang="pl-PL"/>
           </a:p>
@@ -2069,7 +2078,7 @@
           <a:p>
             <a:fld id="{A67F82E6-4560-4718-817E-7923C79771B2}" type="datetimeFigureOut">
               <a:rPr lang="pl-PL" smtClean="0"/>
-              <a:t>19.01.2018</a:t>
+              <a:t>21.01.2018</a:t>
             </a:fld>
             <a:endParaRPr lang="pl-PL"/>
           </a:p>
@@ -2380,7 +2389,7 @@
           <a:p>
             <a:fld id="{A67F82E6-4560-4718-817E-7923C79771B2}" type="datetimeFigureOut">
               <a:rPr lang="pl-PL" smtClean="0"/>
-              <a:t>19.01.2018</a:t>
+              <a:t>21.01.2018</a:t>
             </a:fld>
             <a:endParaRPr lang="pl-PL"/>
           </a:p>
@@ -2668,7 +2677,7 @@
           <a:p>
             <a:fld id="{A67F82E6-4560-4718-817E-7923C79771B2}" type="datetimeFigureOut">
               <a:rPr lang="pl-PL" smtClean="0"/>
-              <a:t>19.01.2018</a:t>
+              <a:t>21.01.2018</a:t>
             </a:fld>
             <a:endParaRPr lang="pl-PL"/>
           </a:p>
@@ -2909,7 +2918,7 @@
           <a:p>
             <a:fld id="{A67F82E6-4560-4718-817E-7923C79771B2}" type="datetimeFigureOut">
               <a:rPr lang="pl-PL" smtClean="0"/>
-              <a:t>19.01.2018</a:t>
+              <a:t>21.01.2018</a:t>
             </a:fld>
             <a:endParaRPr lang="pl-PL"/>
           </a:p>
@@ -3432,7 +3441,7 @@
           <a:p>
             <a:r>
               <a:rPr lang="pl-PL" dirty="0"/>
-              <a:t>User-</a:t>
+              <a:t>Model-</a:t>
             </a:r>
             <a:r>
               <a:rPr lang="pl-PL" dirty="0" err="1"/>
@@ -3680,6 +3689,42 @@
           <a:xfrm>
             <a:off x="5277145" y="46512"/>
             <a:ext cx="9701145" cy="6829539"/>
+          </a:xfrm>
+          <a:prstGeom prst="rect">
+            <a:avLst/>
+          </a:prstGeom>
+        </p:spPr>
+      </p:pic>
+      <p:pic>
+        <p:nvPicPr>
+          <p:cNvPr id="4" name="Obraz 3">
+            <a:extLst>
+              <a:ext uri="{FF2B5EF4-FFF2-40B4-BE49-F238E27FC236}">
+                <a16:creationId xmlns:a16="http://schemas.microsoft.com/office/drawing/2014/main" id="{0C24A999-4400-425D-8879-4FC08ABE6D89}"/>
+              </a:ext>
+            </a:extLst>
+          </p:cNvPr>
+          <p:cNvPicPr>
+            <a:picLocks noChangeAspect="1"/>
+          </p:cNvPicPr>
+          <p:nvPr/>
+        </p:nvPicPr>
+        <p:blipFill>
+          <a:blip r:embed="rId6">
+            <a:extLst>
+              <a:ext uri="{28A0092B-C50C-407E-A947-70E740481C1C}">
+                <a14:useLocalDpi xmlns:a14="http://schemas.microsoft.com/office/drawing/2010/main" val="0"/>
+              </a:ext>
+            </a:extLst>
+          </a:blip>
+          <a:stretch>
+            <a:fillRect/>
+          </a:stretch>
+        </p:blipFill>
+        <p:spPr>
+          <a:xfrm>
+            <a:off x="1155585" y="1236023"/>
+            <a:ext cx="9880830" cy="5597349"/>
           </a:xfrm>
           <a:prstGeom prst="rect">
             <a:avLst/>
@@ -3878,6 +3923,78 @@
                                     <p:set>
                                       <p:cBhvr>
                                         <p:cTn id="18" dur="1" fill="hold">
+                                          <p:stCondLst>
+                                            <p:cond delay="0"/>
+                                          </p:stCondLst>
+                                        </p:cTn>
+                                        <p:tgtEl>
+                                          <p:spTgt spid="4"/>
+                                        </p:tgtEl>
+                                        <p:attrNameLst>
+                                          <p:attrName>style.visibility</p:attrName>
+                                        </p:attrNameLst>
+                                      </p:cBhvr>
+                                      <p:to>
+                                        <p:strVal val="visible"/>
+                                      </p:to>
+                                    </p:set>
+                                  </p:childTnLst>
+                                </p:cTn>
+                              </p:par>
+                            </p:childTnLst>
+                          </p:cTn>
+                        </p:par>
+                      </p:childTnLst>
+                    </p:cTn>
+                  </p:par>
+                  <p:par>
+                    <p:cTn id="19" fill="hold">
+                      <p:stCondLst>
+                        <p:cond delay="indefinite"/>
+                      </p:stCondLst>
+                      <p:childTnLst>
+                        <p:par>
+                          <p:cTn id="20" fill="hold">
+                            <p:stCondLst>
+                              <p:cond delay="0"/>
+                            </p:stCondLst>
+                            <p:childTnLst>
+                              <p:par>
+                                <p:cTn id="21" presetID="1" presetClass="exit" presetSubtype="0" fill="hold" nodeType="clickEffect">
+                                  <p:stCondLst>
+                                    <p:cond delay="0"/>
+                                  </p:stCondLst>
+                                  <p:childTnLst>
+                                    <p:set>
+                                      <p:cBhvr>
+                                        <p:cTn id="22" dur="1" fill="hold">
+                                          <p:stCondLst>
+                                            <p:cond delay="0"/>
+                                          </p:stCondLst>
+                                        </p:cTn>
+                                        <p:tgtEl>
+                                          <p:spTgt spid="4"/>
+                                        </p:tgtEl>
+                                        <p:attrNameLst>
+                                          <p:attrName>style.visibility</p:attrName>
+                                        </p:attrNameLst>
+                                      </p:cBhvr>
+                                      <p:to>
+                                        <p:strVal val="hidden"/>
+                                      </p:to>
+                                    </p:set>
+                                  </p:childTnLst>
+                                </p:cTn>
+                              </p:par>
+                              <p:par>
+                                <p:cTn id="23" presetID="1" presetClass="entr" presetSubtype="0" fill="hold" nodeType="withEffect">
+                                  <p:stCondLst>
+                                    <p:cond delay="0"/>
+                                  </p:stCondLst>
+                                  <p:childTnLst>
+                                    <p:set>
+                                      <p:cBhvr>
+                                        <p:cTn id="24" dur="1" fill="hold">
                                           <p:stCondLst>
                                             <p:cond delay="0"/>
                                           </p:stCondLst>
